--- a/materials/Until it Done.pptx
+++ b/materials/Until it Done.pptx
@@ -13,7 +13,8 @@
     <p:sldId id="263" r:id="rId7"/>
     <p:sldId id="264" r:id="rId8"/>
     <p:sldId id="260" r:id="rId9"/>
-    <p:sldId id="261" r:id="rId10"/>
+    <p:sldId id="265" r:id="rId10"/>
+    <p:sldId id="261" r:id="rId11"/>
   </p:sldIdLst>
   <p:sldSz cx="9144000" cy="6858000" type="screen4x3"/>
   <p:notesSz cx="6858000" cy="9144000"/>
@@ -3751,6 +3752,85 @@
 </p:sld>
 </file>
 
+<file path=ppt/slides/slide10.xml><?xml version="1.0" encoding="utf-8"?>
+<p:sld xmlns:a="http://schemas.openxmlformats.org/drawingml/2006/main" xmlns:r="http://schemas.openxmlformats.org/officeDocument/2006/relationships" xmlns:p="http://schemas.openxmlformats.org/presentationml/2006/main">
+  <p:cSld>
+    <p:spTree>
+      <p:nvGrpSpPr>
+        <p:cNvPr id="1" name=""/>
+        <p:cNvGrpSpPr/>
+        <p:nvPr/>
+      </p:nvGrpSpPr>
+      <p:grpSpPr>
+        <a:xfrm>
+          <a:off x="0" y="0"/>
+          <a:ext cx="0" cy="0"/>
+          <a:chOff x="0" y="0"/>
+          <a:chExt cx="0" cy="0"/>
+        </a:xfrm>
+      </p:grpSpPr>
+      <p:sp>
+        <p:nvSpPr>
+          <p:cNvPr id="3" name="Объект 2"/>
+          <p:cNvSpPr>
+            <a:spLocks noGrp="1"/>
+          </p:cNvSpPr>
+          <p:nvPr>
+            <p:ph idx="1"/>
+          </p:nvPr>
+        </p:nvSpPr>
+        <p:spPr/>
+        <p:txBody>
+          <a:bodyPr/>
+          <a:lstStyle/>
+          <a:p>
+            <a:pPr marL="18288" indent="0">
+              <a:buNone/>
+            </a:pPr>
+            <a:r>
+              <a:rPr lang="ru-RU" dirty="0" smtClean="0"/>
+              <a:t>Ответы на вопросы</a:t>
+            </a:r>
+            <a:endParaRPr lang="ru-RU" dirty="0"/>
+          </a:p>
+        </p:txBody>
+      </p:sp>
+      <p:sp>
+        <p:nvSpPr>
+          <p:cNvPr id="2" name="Заголовок 1"/>
+          <p:cNvSpPr>
+            <a:spLocks noGrp="1"/>
+          </p:cNvSpPr>
+          <p:nvPr>
+            <p:ph type="title"/>
+          </p:nvPr>
+        </p:nvSpPr>
+        <p:spPr/>
+        <p:txBody>
+          <a:bodyPr/>
+          <a:lstStyle/>
+          <a:p>
+            <a:r>
+              <a:rPr lang="ru-RU" dirty="0" smtClean="0"/>
+              <a:t>Спасибо за внимание.</a:t>
+            </a:r>
+            <a:endParaRPr lang="ru-RU" dirty="0"/>
+          </a:p>
+        </p:txBody>
+      </p:sp>
+    </p:spTree>
+    <p:extLst>
+      <p:ext uri="{BB962C8B-B14F-4D97-AF65-F5344CB8AC3E}">
+        <p14:creationId xmlns:p14="http://schemas.microsoft.com/office/powerpoint/2010/main" val="1872055430"/>
+      </p:ext>
+    </p:extLst>
+  </p:cSld>
+  <p:clrMapOvr>
+    <a:masterClrMapping/>
+  </p:clrMapOvr>
+</p:sld>
+</file>
+
 <file path=ppt/slides/slide2.xml><?xml version="1.0" encoding="utf-8"?>
 <p:sld xmlns:a="http://schemas.openxmlformats.org/drawingml/2006/main" xmlns:r="http://schemas.openxmlformats.org/officeDocument/2006/relationships" xmlns:p="http://schemas.openxmlformats.org/presentationml/2006/main">
   <p:cSld>
@@ -5297,7 +5377,7 @@
       </p:grpSpPr>
       <p:sp>
         <p:nvSpPr>
-          <p:cNvPr id="3" name="Объект 2"/>
+          <p:cNvPr id="2" name="Объект 1"/>
           <p:cNvSpPr>
             <a:spLocks noGrp="1"/>
           </p:cNvSpPr>
@@ -5315,15 +5395,60 @@
             </a:pPr>
             <a:r>
               <a:rPr lang="ru-RU" dirty="0" smtClean="0"/>
-              <a:t>Ответы на вопросы</a:t>
-            </a:r>
+              <a:t>Объем кода – 718 строк</a:t>
+            </a:r>
+          </a:p>
+          <a:p>
+            <a:pPr marL="18288" indent="0">
+              <a:buNone/>
+            </a:pPr>
             <a:endParaRPr lang="ru-RU" dirty="0"/>
           </a:p>
-        </p:txBody>
-      </p:sp>
-      <p:sp>
-        <p:nvSpPr>
-          <p:cNvPr id="2" name="Заголовок 1"/>
+          <a:p>
+            <a:pPr marL="18288" indent="0">
+              <a:buNone/>
+            </a:pPr>
+            <a:endParaRPr lang="ru-RU" dirty="0" smtClean="0"/>
+          </a:p>
+          <a:p>
+            <a:pPr marL="18288" indent="0">
+              <a:buNone/>
+            </a:pPr>
+            <a:r>
+              <a:rPr lang="en-US" dirty="0" smtClean="0"/>
+              <a:t>GitHub - </a:t>
+            </a:r>
+            <a:r>
+              <a:rPr lang="en-US" dirty="0">
+                <a:hlinkClick r:id="rId2"/>
+              </a:rPr>
+              <a:t>Fr-</a:t>
+            </a:r>
+            <a:r>
+              <a:rPr lang="en-US" dirty="0" err="1">
+                <a:hlinkClick r:id="rId2"/>
+              </a:rPr>
+              <a:t>noname</a:t>
+            </a:r>
+            <a:r>
+              <a:rPr lang="en-US" dirty="0">
+                <a:hlinkClick r:id="rId2"/>
+              </a:rPr>
+              <a:t>/</a:t>
+            </a:r>
+            <a:r>
+              <a:rPr lang="en-US" dirty="0" err="1">
+                <a:hlinkClick r:id="rId2"/>
+              </a:rPr>
+              <a:t>Pygame_project_Frolov_Kolesnikov</a:t>
+            </a:r>
+            <a:endParaRPr lang="ru-RU" dirty="0"/>
+          </a:p>
+        </p:txBody>
+      </p:sp>
+      <p:sp>
+        <p:nvSpPr>
+          <p:cNvPr id="3" name="Заголовок 2"/>
           <p:cNvSpPr>
             <a:spLocks noGrp="1"/>
           </p:cNvSpPr>
@@ -5338,7 +5463,7 @@
           <a:p>
             <a:r>
               <a:rPr lang="ru-RU" dirty="0" smtClean="0"/>
-              <a:t>Спасибо за внимание.</a:t>
+              <a:t>О проекте</a:t>
             </a:r>
             <a:endParaRPr lang="ru-RU" dirty="0"/>
           </a:p>
@@ -5347,7 +5472,7 @@
     </p:spTree>
     <p:extLst>
       <p:ext uri="{BB962C8B-B14F-4D97-AF65-F5344CB8AC3E}">
-        <p14:creationId xmlns:p14="http://schemas.microsoft.com/office/powerpoint/2010/main" val="1872055430"/>
+        <p14:creationId xmlns:p14="http://schemas.microsoft.com/office/powerpoint/2010/main" val="1793261433"/>
       </p:ext>
     </p:extLst>
   </p:cSld>
